--- a/Canadian Climate Action Tracker_Ahsan_Ajmery_Nafisa_Li_Liu.pptx
+++ b/Canadian Climate Action Tracker_Ahsan_Ajmery_Nafisa_Li_Liu.pptx
@@ -5,7 +5,7 @@
     <p:sldMasterId id="2147483659" r:id="rId1"/>
   </p:sldMasterIdLst>
   <p:notesMasterIdLst>
-    <p:notesMasterId r:id="rId20"/>
+    <p:notesMasterId r:id="rId21"/>
   </p:notesMasterIdLst>
   <p:sldIdLst>
     <p:sldId id="256" r:id="rId2"/>
@@ -24,8 +24,9 @@
     <p:sldId id="269" r:id="rId15"/>
     <p:sldId id="270" r:id="rId16"/>
     <p:sldId id="271" r:id="rId17"/>
-    <p:sldId id="272" r:id="rId18"/>
-    <p:sldId id="273" r:id="rId19"/>
+    <p:sldId id="274" r:id="rId18"/>
+    <p:sldId id="272" r:id="rId19"/>
+    <p:sldId id="273" r:id="rId20"/>
   </p:sldIdLst>
   <p:sldSz cx="9144000" cy="6858000" type="screen4x3"/>
   <p:notesSz cx="7010400" cy="9296400"/>
@@ -260,7 +261,7 @@
   </p:defaultTextStyle>
   <p:extLst>
     <p:ext uri="{EFAFB233-063F-42B5-8137-9DF3F51BA10A}">
-      <p15:sldGuideLst xmlns:ahyp="http://schemas.microsoft.com/office/drawing/2018/hyperlinkcolor" xmlns:p15="http://schemas.microsoft.com/office/powerpoint/2012/main" xmlns:p14="http://schemas.microsoft.com/office/powerpoint/2010/main" xmlns:com="http://schemas.openxmlformats.org/drawingml/2006/compatibility" xmlns:pvml="urn:schemas-microsoft-com:office:powerpoint" xmlns:v="urn:schemas-microsoft-com:vml" xmlns:o="urn:schemas-microsoft-com:office:office" xmlns:dgm="http://schemas.openxmlformats.org/drawingml/2006/diagram" xmlns:c="http://schemas.openxmlformats.org/drawingml/2006/chart" xmlns:mv="urn:schemas-microsoft-com:mac:vml" xmlns:mc="http://schemas.openxmlformats.org/markup-compatibility/2006" xmlns="">
+      <p15:sldGuideLst xmlns="" xmlns:mc="http://schemas.openxmlformats.org/markup-compatibility/2006" xmlns:mv="urn:schemas-microsoft-com:mac:vml" xmlns:c="http://schemas.openxmlformats.org/drawingml/2006/chart" xmlns:dgm="http://schemas.openxmlformats.org/drawingml/2006/diagram" xmlns:o="urn:schemas-microsoft-com:office:office" xmlns:v="urn:schemas-microsoft-com:vml" xmlns:pvml="urn:schemas-microsoft-com:office:powerpoint" xmlns:com="http://schemas.openxmlformats.org/drawingml/2006/compatibility" xmlns:p14="http://schemas.microsoft.com/office/powerpoint/2010/main" xmlns:p15="http://schemas.microsoft.com/office/powerpoint/2012/main" xmlns:ahyp="http://schemas.microsoft.com/office/drawing/2018/hyperlinkcolor">
         <p15:guide id="1" orient="horz" pos="2160">
           <p15:clr>
             <a:srgbClr val="000000"/>
@@ -274,7 +275,7 @@
       </p15:sldGuideLst>
     </p:ext>
     <p:ext uri="{2D200454-40CA-4A62-9FC3-DE9A4176ACB9}">
-      <p15:notesGuideLst xmlns:ahyp="http://schemas.microsoft.com/office/drawing/2018/hyperlinkcolor" xmlns:p15="http://schemas.microsoft.com/office/powerpoint/2012/main" xmlns:p14="http://schemas.microsoft.com/office/powerpoint/2010/main" xmlns:com="http://schemas.openxmlformats.org/drawingml/2006/compatibility" xmlns:pvml="urn:schemas-microsoft-com:office:powerpoint" xmlns:v="urn:schemas-microsoft-com:vml" xmlns:o="urn:schemas-microsoft-com:office:office" xmlns:dgm="http://schemas.openxmlformats.org/drawingml/2006/diagram" xmlns:c="http://schemas.openxmlformats.org/drawingml/2006/chart" xmlns:mv="urn:schemas-microsoft-com:mac:vml" xmlns:mc="http://schemas.openxmlformats.org/markup-compatibility/2006" xmlns="">
+      <p15:notesGuideLst xmlns="" xmlns:mc="http://schemas.openxmlformats.org/markup-compatibility/2006" xmlns:mv="urn:schemas-microsoft-com:mac:vml" xmlns:c="http://schemas.openxmlformats.org/drawingml/2006/chart" xmlns:dgm="http://schemas.openxmlformats.org/drawingml/2006/diagram" xmlns:o="urn:schemas-microsoft-com:office:office" xmlns:v="urn:schemas-microsoft-com:vml" xmlns:pvml="urn:schemas-microsoft-com:office:powerpoint" xmlns:com="http://schemas.openxmlformats.org/drawingml/2006/compatibility" xmlns:p14="http://schemas.microsoft.com/office/powerpoint/2010/main" xmlns:p15="http://schemas.microsoft.com/office/powerpoint/2012/main" xmlns:ahyp="http://schemas.microsoft.com/office/drawing/2018/hyperlinkcolor">
         <p15:guide id="1" orient="horz" pos="2928">
           <p15:clr>
             <a:srgbClr val="000000"/>
@@ -2389,6 +2390,110 @@
         <p:spPr>
           <a:xfrm>
             <a:off x="1181100" y="696913"/>
+            <a:ext cx="4648200" cy="3486150"/>
+          </a:xfrm>
+          <a:custGeom>
+            <a:avLst/>
+            <a:gdLst/>
+            <a:ahLst/>
+            <a:cxnLst/>
+            <a:rect l="l" t="t" r="r" b="b"/>
+            <a:pathLst>
+              <a:path w="120000" h="120000" extrusionOk="0">
+                <a:moveTo>
+                  <a:pt x="0" y="0"/>
+                </a:moveTo>
+                <a:lnTo>
+                  <a:pt x="120000" y="0"/>
+                </a:lnTo>
+                <a:lnTo>
+                  <a:pt x="120000" y="120000"/>
+                </a:lnTo>
+                <a:lnTo>
+                  <a:pt x="0" y="120000"/>
+                </a:lnTo>
+                <a:close/>
+              </a:path>
+            </a:pathLst>
+          </a:custGeom>
+        </p:spPr>
+      </p:sp>
+    </p:spTree>
+  </p:cSld>
+  <p:clrMapOvr>
+    <a:masterClrMapping/>
+  </p:clrMapOvr>
+</p:notes>
+</file>
+
+<file path=ppt/notesSlides/notesSlide18.xml><?xml version="1.0" encoding="utf-8"?>
+<p:notes xmlns:a="http://schemas.openxmlformats.org/drawingml/2006/main" xmlns:r="http://schemas.openxmlformats.org/officeDocument/2006/relationships" xmlns:p="http://schemas.openxmlformats.org/presentationml/2006/main" showMasterSp="0" showMasterPhAnim="0">
+  <p:cSld>
+    <p:spTree>
+      <p:nvGrpSpPr>
+        <p:cNvPr id="1" name="Shape 211"/>
+        <p:cNvGrpSpPr/>
+        <p:nvPr/>
+      </p:nvGrpSpPr>
+      <p:grpSpPr>
+        <a:xfrm>
+          <a:off x="0" y="0"/>
+          <a:ext cx="0" cy="0"/>
+          <a:chOff x="0" y="0"/>
+          <a:chExt cx="0" cy="0"/>
+        </a:xfrm>
+      </p:grpSpPr>
+      <p:sp>
+        <p:nvSpPr>
+          <p:cNvPr id="212" name="Google Shape;212;g263b7b40870_0_88:notes"/>
+          <p:cNvSpPr txBox="1">
+            <a:spLocks noGrp="1"/>
+          </p:cNvSpPr>
+          <p:nvPr>
+            <p:ph type="body" idx="1"/>
+          </p:nvPr>
+        </p:nvSpPr>
+        <p:spPr>
+          <a:xfrm>
+            <a:off x="701040" y="4415790"/>
+            <a:ext cx="5608200" cy="4183500"/>
+          </a:xfrm>
+          <a:prstGeom prst="rect">
+            <a:avLst/>
+          </a:prstGeom>
+        </p:spPr>
+        <p:txBody>
+          <a:bodyPr spcFirstLastPara="1" wrap="square" lIns="93175" tIns="46575" rIns="93175" bIns="46575" anchor="t" anchorCtr="0">
+            <a:noAutofit/>
+          </a:bodyPr>
+          <a:lstStyle/>
+          <a:p>
+            <a:pPr marL="0" lvl="0" indent="0" algn="l" rtl="0">
+              <a:spcBef>
+                <a:spcPts val="0"/>
+              </a:spcBef>
+              <a:spcAft>
+                <a:spcPts val="0"/>
+              </a:spcAft>
+              <a:buNone/>
+            </a:pPr>
+            <a:endParaRPr/>
+          </a:p>
+        </p:txBody>
+      </p:sp>
+      <p:sp>
+        <p:nvSpPr>
+          <p:cNvPr id="213" name="Google Shape;213;g263b7b40870_0_88:notes"/>
+          <p:cNvSpPr>
+            <a:spLocks noGrp="1" noRot="1" noChangeAspect="1"/>
+          </p:cNvSpPr>
+          <p:nvPr>
+            <p:ph type="sldImg" idx="2"/>
+          </p:nvPr>
+        </p:nvSpPr>
+        <p:spPr>
+          <a:xfrm>
+            <a:off x="1181100" y="696913"/>
             <a:ext cx="4648200" cy="3486300"/>
           </a:xfrm>
           <a:custGeom>
@@ -2425,7 +2530,7 @@
 </p:notes>
 </file>
 
-<file path=ppt/notesSlides/notesSlide18.xml><?xml version="1.0" encoding="utf-8"?>
+<file path=ppt/notesSlides/notesSlide19.xml><?xml version="1.0" encoding="utf-8"?>
 <p:notes xmlns:a="http://schemas.openxmlformats.org/drawingml/2006/main" xmlns:r="http://schemas.openxmlformats.org/officeDocument/2006/relationships" xmlns:p="http://schemas.openxmlformats.org/presentationml/2006/main" showMasterSp="0" showMasterPhAnim="0">
   <p:cSld>
     <p:spTree>
@@ -14594,7 +14699,7 @@
                 <a:hlinkClick r:id="rId4">
                   <a:extLst>
                     <a:ext uri="{A12FA001-AC4F-418D-AE19-62706E023703}">
-                      <ahyp:hlinkClr xmlns:ahyp="http://schemas.microsoft.com/office/drawing/2018/hyperlinkcolor" xmlns:p15="http://schemas.microsoft.com/office/powerpoint/2012/main" xmlns:p14="http://schemas.microsoft.com/office/powerpoint/2010/main" xmlns:com="http://schemas.openxmlformats.org/drawingml/2006/compatibility" xmlns:pvml="urn:schemas-microsoft-com:office:powerpoint" xmlns:v="urn:schemas-microsoft-com:vml" xmlns:o="urn:schemas-microsoft-com:office:office" xmlns:dgm="http://schemas.openxmlformats.org/drawingml/2006/diagram" xmlns:c="http://schemas.openxmlformats.org/drawingml/2006/chart" xmlns:mv="urn:schemas-microsoft-com:mac:vml" xmlns:mc="http://schemas.openxmlformats.org/markup-compatibility/2006" xmlns="" val="tx"/>
+                      <ahyp:hlinkClr xmlns="" xmlns:mc="http://schemas.openxmlformats.org/markup-compatibility/2006" xmlns:mv="urn:schemas-microsoft-com:mac:vml" xmlns:c="http://schemas.openxmlformats.org/drawingml/2006/chart" xmlns:dgm="http://schemas.openxmlformats.org/drawingml/2006/diagram" xmlns:o="urn:schemas-microsoft-com:office:office" xmlns:v="urn:schemas-microsoft-com:vml" xmlns:pvml="urn:schemas-microsoft-com:office:powerpoint" xmlns:com="http://schemas.openxmlformats.org/drawingml/2006/compatibility" xmlns:p14="http://schemas.microsoft.com/office/powerpoint/2010/main" xmlns:p15="http://schemas.microsoft.com/office/powerpoint/2012/main" xmlns:ahyp="http://schemas.microsoft.com/office/drawing/2018/hyperlinkcolor" val="tx"/>
                     </a:ext>
                   </a:extLst>
                 </a:hlinkClick>
@@ -16758,7 +16863,7 @@
                 <a:hlinkClick r:id="rId4">
                   <a:extLst>
                     <a:ext uri="{A12FA001-AC4F-418D-AE19-62706E023703}">
-                      <ahyp:hlinkClr xmlns:ahyp="http://schemas.microsoft.com/office/drawing/2018/hyperlinkcolor" xmlns:p15="http://schemas.microsoft.com/office/powerpoint/2012/main" xmlns:p14="http://schemas.microsoft.com/office/powerpoint/2010/main" xmlns:com="http://schemas.openxmlformats.org/drawingml/2006/compatibility" xmlns:pvml="urn:schemas-microsoft-com:office:powerpoint" xmlns:v="urn:schemas-microsoft-com:vml" xmlns:o="urn:schemas-microsoft-com:office:office" xmlns:dgm="http://schemas.openxmlformats.org/drawingml/2006/diagram" xmlns:c="http://schemas.openxmlformats.org/drawingml/2006/chart" xmlns:mv="urn:schemas-microsoft-com:mac:vml" xmlns:mc="http://schemas.openxmlformats.org/markup-compatibility/2006" xmlns="" val="tx"/>
+                      <ahyp:hlinkClr xmlns="" xmlns:mc="http://schemas.openxmlformats.org/markup-compatibility/2006" xmlns:mv="urn:schemas-microsoft-com:mac:vml" xmlns:c="http://schemas.openxmlformats.org/drawingml/2006/chart" xmlns:dgm="http://schemas.openxmlformats.org/drawingml/2006/diagram" xmlns:o="urn:schemas-microsoft-com:office:office" xmlns:v="urn:schemas-microsoft-com:vml" xmlns:pvml="urn:schemas-microsoft-com:office:powerpoint" xmlns:com="http://schemas.openxmlformats.org/drawingml/2006/compatibility" xmlns:p14="http://schemas.microsoft.com/office/powerpoint/2010/main" xmlns:p15="http://schemas.microsoft.com/office/powerpoint/2012/main" xmlns:ahyp="http://schemas.microsoft.com/office/drawing/2018/hyperlinkcolor" val="tx"/>
                     </a:ext>
                   </a:extLst>
                 </a:hlinkClick>
@@ -16821,7 +16926,7 @@
                 <a:hlinkClick r:id="rId5">
                   <a:extLst>
                     <a:ext uri="{A12FA001-AC4F-418D-AE19-62706E023703}">
-                      <ahyp:hlinkClr xmlns:ahyp="http://schemas.microsoft.com/office/drawing/2018/hyperlinkcolor" xmlns:p15="http://schemas.microsoft.com/office/powerpoint/2012/main" xmlns:p14="http://schemas.microsoft.com/office/powerpoint/2010/main" xmlns:com="http://schemas.openxmlformats.org/drawingml/2006/compatibility" xmlns:pvml="urn:schemas-microsoft-com:office:powerpoint" xmlns:v="urn:schemas-microsoft-com:vml" xmlns:o="urn:schemas-microsoft-com:office:office" xmlns:dgm="http://schemas.openxmlformats.org/drawingml/2006/diagram" xmlns:c="http://schemas.openxmlformats.org/drawingml/2006/chart" xmlns:mv="urn:schemas-microsoft-com:mac:vml" xmlns:mc="http://schemas.openxmlformats.org/markup-compatibility/2006" xmlns="" val="tx"/>
+                      <ahyp:hlinkClr xmlns="" xmlns:mc="http://schemas.openxmlformats.org/markup-compatibility/2006" xmlns:mv="urn:schemas-microsoft-com:mac:vml" xmlns:c="http://schemas.openxmlformats.org/drawingml/2006/chart" xmlns:dgm="http://schemas.openxmlformats.org/drawingml/2006/diagram" xmlns:o="urn:schemas-microsoft-com:office:office" xmlns:v="urn:schemas-microsoft-com:vml" xmlns:pvml="urn:schemas-microsoft-com:office:powerpoint" xmlns:com="http://schemas.openxmlformats.org/drawingml/2006/compatibility" xmlns:p14="http://schemas.microsoft.com/office/powerpoint/2010/main" xmlns:p15="http://schemas.microsoft.com/office/powerpoint/2012/main" xmlns:ahyp="http://schemas.microsoft.com/office/drawing/2018/hyperlinkcolor" val="tx"/>
                     </a:ext>
                   </a:extLst>
                 </a:hlinkClick>
@@ -16884,7 +16989,7 @@
                 <a:hlinkClick r:id="rId6">
                   <a:extLst>
                     <a:ext uri="{A12FA001-AC4F-418D-AE19-62706E023703}">
-                      <ahyp:hlinkClr xmlns:ahyp="http://schemas.microsoft.com/office/drawing/2018/hyperlinkcolor" xmlns:p15="http://schemas.microsoft.com/office/powerpoint/2012/main" xmlns:p14="http://schemas.microsoft.com/office/powerpoint/2010/main" xmlns:com="http://schemas.openxmlformats.org/drawingml/2006/compatibility" xmlns:pvml="urn:schemas-microsoft-com:office:powerpoint" xmlns:v="urn:schemas-microsoft-com:vml" xmlns:o="urn:schemas-microsoft-com:office:office" xmlns:dgm="http://schemas.openxmlformats.org/drawingml/2006/diagram" xmlns:c="http://schemas.openxmlformats.org/drawingml/2006/chart" xmlns:mv="urn:schemas-microsoft-com:mac:vml" xmlns:mc="http://schemas.openxmlformats.org/markup-compatibility/2006" xmlns="" val="tx"/>
+                      <ahyp:hlinkClr xmlns="" xmlns:mc="http://schemas.openxmlformats.org/markup-compatibility/2006" xmlns:mv="urn:schemas-microsoft-com:mac:vml" xmlns:c="http://schemas.openxmlformats.org/drawingml/2006/chart" xmlns:dgm="http://schemas.openxmlformats.org/drawingml/2006/diagram" xmlns:o="urn:schemas-microsoft-com:office:office" xmlns:v="urn:schemas-microsoft-com:vml" xmlns:pvml="urn:schemas-microsoft-com:office:powerpoint" xmlns:com="http://schemas.openxmlformats.org/drawingml/2006/compatibility" xmlns:p14="http://schemas.microsoft.com/office/powerpoint/2010/main" xmlns:p15="http://schemas.microsoft.com/office/powerpoint/2012/main" xmlns:ahyp="http://schemas.microsoft.com/office/drawing/2018/hyperlinkcolor" val="tx"/>
                     </a:ext>
                   </a:extLst>
                 </a:hlinkClick>
@@ -16947,7 +17052,7 @@
                 <a:hlinkClick r:id="rId7">
                   <a:extLst>
                     <a:ext uri="{A12FA001-AC4F-418D-AE19-62706E023703}">
-                      <ahyp:hlinkClr xmlns:ahyp="http://schemas.microsoft.com/office/drawing/2018/hyperlinkcolor" xmlns:p15="http://schemas.microsoft.com/office/powerpoint/2012/main" xmlns:p14="http://schemas.microsoft.com/office/powerpoint/2010/main" xmlns:com="http://schemas.openxmlformats.org/drawingml/2006/compatibility" xmlns:pvml="urn:schemas-microsoft-com:office:powerpoint" xmlns:v="urn:schemas-microsoft-com:vml" xmlns:o="urn:schemas-microsoft-com:office:office" xmlns:dgm="http://schemas.openxmlformats.org/drawingml/2006/diagram" xmlns:c="http://schemas.openxmlformats.org/drawingml/2006/chart" xmlns:mv="urn:schemas-microsoft-com:mac:vml" xmlns:mc="http://schemas.openxmlformats.org/markup-compatibility/2006" xmlns="" val="tx"/>
+                      <ahyp:hlinkClr xmlns="" xmlns:mc="http://schemas.openxmlformats.org/markup-compatibility/2006" xmlns:mv="urn:schemas-microsoft-com:mac:vml" xmlns:c="http://schemas.openxmlformats.org/drawingml/2006/chart" xmlns:dgm="http://schemas.openxmlformats.org/drawingml/2006/diagram" xmlns:o="urn:schemas-microsoft-com:office:office" xmlns:v="urn:schemas-microsoft-com:vml" xmlns:pvml="urn:schemas-microsoft-com:office:powerpoint" xmlns:com="http://schemas.openxmlformats.org/drawingml/2006/compatibility" xmlns:p14="http://schemas.microsoft.com/office/powerpoint/2010/main" xmlns:p15="http://schemas.microsoft.com/office/powerpoint/2012/main" xmlns:ahyp="http://schemas.microsoft.com/office/drawing/2018/hyperlinkcolor" val="tx"/>
                     </a:ext>
                   </a:extLst>
                 </a:hlinkClick>
@@ -17010,7 +17115,7 @@
                 <a:hlinkClick r:id="rId8">
                   <a:extLst>
                     <a:ext uri="{A12FA001-AC4F-418D-AE19-62706E023703}">
-                      <ahyp:hlinkClr xmlns:ahyp="http://schemas.microsoft.com/office/drawing/2018/hyperlinkcolor" xmlns:p15="http://schemas.microsoft.com/office/powerpoint/2012/main" xmlns:p14="http://schemas.microsoft.com/office/powerpoint/2010/main" xmlns:com="http://schemas.openxmlformats.org/drawingml/2006/compatibility" xmlns:pvml="urn:schemas-microsoft-com:office:powerpoint" xmlns:v="urn:schemas-microsoft-com:vml" xmlns:o="urn:schemas-microsoft-com:office:office" xmlns:dgm="http://schemas.openxmlformats.org/drawingml/2006/diagram" xmlns:c="http://schemas.openxmlformats.org/drawingml/2006/chart" xmlns:mv="urn:schemas-microsoft-com:mac:vml" xmlns:mc="http://schemas.openxmlformats.org/markup-compatibility/2006" xmlns="" val="tx"/>
+                      <ahyp:hlinkClr xmlns="" xmlns:mc="http://schemas.openxmlformats.org/markup-compatibility/2006" xmlns:mv="urn:schemas-microsoft-com:mac:vml" xmlns:c="http://schemas.openxmlformats.org/drawingml/2006/chart" xmlns:dgm="http://schemas.openxmlformats.org/drawingml/2006/diagram" xmlns:o="urn:schemas-microsoft-com:office:office" xmlns:v="urn:schemas-microsoft-com:vml" xmlns:pvml="urn:schemas-microsoft-com:office:powerpoint" xmlns:com="http://schemas.openxmlformats.org/drawingml/2006/compatibility" xmlns:p14="http://schemas.microsoft.com/office/powerpoint/2010/main" xmlns:p15="http://schemas.microsoft.com/office/powerpoint/2012/main" xmlns:ahyp="http://schemas.microsoft.com/office/drawing/2018/hyperlinkcolor" val="tx"/>
                     </a:ext>
                   </a:extLst>
                 </a:hlinkClick>
@@ -17153,6 +17258,163 @@
 </file>
 
 <file path=ppt/slides/slide17.xml><?xml version="1.0" encoding="utf-8"?>
+<p:sld xmlns:a="http://schemas.openxmlformats.org/drawingml/2006/main" xmlns:r="http://schemas.openxmlformats.org/officeDocument/2006/relationships" xmlns:p="http://schemas.openxmlformats.org/presentationml/2006/main">
+  <p:cSld>
+    <p:spTree>
+      <p:nvGrpSpPr>
+        <p:cNvPr id="1" name="Shape 214"/>
+        <p:cNvGrpSpPr/>
+        <p:nvPr/>
+      </p:nvGrpSpPr>
+      <p:grpSpPr>
+        <a:xfrm>
+          <a:off x="0" y="0"/>
+          <a:ext cx="0" cy="0"/>
+          <a:chOff x="0" y="0"/>
+          <a:chExt cx="0" cy="0"/>
+        </a:xfrm>
+      </p:grpSpPr>
+      <p:pic>
+        <p:nvPicPr>
+          <p:cNvPr id="215" name="Google Shape;215;p29" descr="PowerPoint_2012_ENG11"/>
+          <p:cNvPicPr preferRelativeResize="0"/>
+          <p:nvPr/>
+        </p:nvPicPr>
+        <p:blipFill rotWithShape="1">
+          <a:blip r:embed="rId3">
+            <a:alphaModFix/>
+          </a:blip>
+          <a:srcRect/>
+          <a:stretch/>
+        </p:blipFill>
+        <p:spPr>
+          <a:xfrm>
+            <a:off x="-1588" y="-1586"/>
+            <a:ext cx="9145587" cy="6859586"/>
+          </a:xfrm>
+          <a:prstGeom prst="rect">
+            <a:avLst/>
+          </a:prstGeom>
+          <a:noFill/>
+          <a:ln>
+            <a:noFill/>
+          </a:ln>
+        </p:spPr>
+      </p:pic>
+      <p:sp>
+        <p:nvSpPr>
+          <p:cNvPr id="216" name="Google Shape;216;p29"/>
+          <p:cNvSpPr txBox="1">
+            <a:spLocks noGrp="1"/>
+          </p:cNvSpPr>
+          <p:nvPr>
+            <p:ph type="title"/>
+          </p:nvPr>
+        </p:nvSpPr>
+        <p:spPr>
+          <a:xfrm>
+            <a:off x="223244" y="1577273"/>
+            <a:ext cx="4608600" cy="648000"/>
+          </a:xfrm>
+          <a:prstGeom prst="rect">
+            <a:avLst/>
+          </a:prstGeom>
+          <a:noFill/>
+          <a:ln>
+            <a:noFill/>
+          </a:ln>
+        </p:spPr>
+        <p:txBody>
+          <a:bodyPr spcFirstLastPara="1" wrap="square" lIns="91425" tIns="45700" rIns="91425" bIns="45700" anchor="ctr" anchorCtr="0">
+            <a:noAutofit/>
+          </a:bodyPr>
+          <a:lstStyle/>
+          <a:p>
+            <a:pPr marL="0" lvl="0" indent="0" algn="ctr" rtl="0">
+              <a:spcBef>
+                <a:spcPts val="0"/>
+              </a:spcBef>
+              <a:spcAft>
+                <a:spcPts val="0"/>
+              </a:spcAft>
+              <a:buNone/>
+            </a:pPr>
+            <a:r>
+              <a:rPr lang="en-US" sz="4800" b="1" dirty="0" err="1" smtClean="0"/>
+              <a:t>Github</a:t>
+            </a:r>
+            <a:r>
+              <a:rPr lang="en-US" sz="4800" b="1" dirty="0" smtClean="0"/>
+              <a:t> Link</a:t>
+            </a:r>
+            <a:endParaRPr sz="4800" b="1" dirty="0"/>
+          </a:p>
+        </p:txBody>
+      </p:sp>
+      <p:sp>
+        <p:nvSpPr>
+          <p:cNvPr id="2" name="TextBox 1">
+            <a:hlinkClick r:id="rId4"/>
+          </p:cNvPr>
+          <p:cNvSpPr txBox="1"/>
+          <p:nvPr/>
+        </p:nvSpPr>
+        <p:spPr>
+          <a:xfrm>
+            <a:off x="1887583" y="3474720"/>
+            <a:ext cx="5074920" cy="523220"/>
+          </a:xfrm>
+          <a:prstGeom prst="rect">
+            <a:avLst/>
+          </a:prstGeom>
+          <a:noFill/>
+        </p:spPr>
+        <p:txBody>
+          <a:bodyPr wrap="square" rtlCol="0">
+            <a:spAutoFit/>
+          </a:bodyPr>
+          <a:lstStyle/>
+          <a:p>
+            <a:r>
+              <a:rPr lang="en-US" dirty="0">
+                <a:hlinkClick r:id="rId4"/>
+              </a:rPr>
+              <a:t>https://</a:t>
+            </a:r>
+            <a:r>
+              <a:rPr lang="en-US" dirty="0" smtClean="0">
+                <a:hlinkClick r:id="rId4"/>
+              </a:rPr>
+              <a:t>github.com/ahsansajidkhan/group15project</a:t>
+            </a:r>
+            <a:endParaRPr lang="en-US" dirty="0" smtClean="0"/>
+          </a:p>
+          <a:p>
+            <a:endParaRPr lang="en-US" dirty="0"/>
+          </a:p>
+        </p:txBody>
+      </p:sp>
+    </p:spTree>
+    <p:extLst>
+      <p:ext uri="{BB962C8B-B14F-4D97-AF65-F5344CB8AC3E}">
+        <p14:creationId xmlns:p14="http://schemas.microsoft.com/office/powerpoint/2010/main" val="1877995835"/>
+      </p:ext>
+    </p:extLst>
+  </p:cSld>
+  <p:clrMapOvr>
+    <a:masterClrMapping/>
+  </p:clrMapOvr>
+  <p:timing>
+    <p:tnLst>
+      <p:par>
+        <p:cTn id="1" dur="indefinite" restart="never" nodeType="tmRoot"/>
+      </p:par>
+    </p:tnLst>
+  </p:timing>
+</p:sld>
+</file>
+
+<file path=ppt/slides/slide18.xml><?xml version="1.0" encoding="utf-8"?>
 <p:sld xmlns:a="http://schemas.openxmlformats.org/drawingml/2006/main" xmlns:r="http://schemas.openxmlformats.org/officeDocument/2006/relationships" xmlns:p="http://schemas.openxmlformats.org/presentationml/2006/main">
   <p:cSld>
     <p:spTree>
@@ -17257,7 +17519,7 @@
 </p:sld>
 </file>
 
-<file path=ppt/slides/slide18.xml><?xml version="1.0" encoding="utf-8"?>
+<file path=ppt/slides/slide19.xml><?xml version="1.0" encoding="utf-8"?>
 <p:sld xmlns:a="http://schemas.openxmlformats.org/drawingml/2006/main" xmlns:r="http://schemas.openxmlformats.org/officeDocument/2006/relationships" xmlns:p="http://schemas.openxmlformats.org/presentationml/2006/main">
   <p:cSld>
     <p:spTree>

--- a/Canadian Climate Action Tracker_Ahsan_Ajmery_Nafisa_Li_Liu.pptx
+++ b/Canadian Climate Action Tracker_Ahsan_Ajmery_Nafisa_Li_Liu.pptx
@@ -5,7 +5,7 @@
     <p:sldMasterId id="2147483659" r:id="rId1"/>
   </p:sldMasterIdLst>
   <p:notesMasterIdLst>
-    <p:notesMasterId r:id="rId21"/>
+    <p:notesMasterId r:id="rId20"/>
   </p:notesMasterIdLst>
   <p:sldIdLst>
     <p:sldId id="256" r:id="rId2"/>
@@ -24,9 +24,8 @@
     <p:sldId id="269" r:id="rId15"/>
     <p:sldId id="270" r:id="rId16"/>
     <p:sldId id="271" r:id="rId17"/>
-    <p:sldId id="274" r:id="rId18"/>
-    <p:sldId id="272" r:id="rId19"/>
-    <p:sldId id="273" r:id="rId20"/>
+    <p:sldId id="272" r:id="rId18"/>
+    <p:sldId id="273" r:id="rId19"/>
   </p:sldIdLst>
   <p:sldSz cx="9144000" cy="6858000" type="screen4x3"/>
   <p:notesSz cx="7010400" cy="9296400"/>
@@ -261,7 +260,7 @@
   </p:defaultTextStyle>
   <p:extLst>
     <p:ext uri="{EFAFB233-063F-42B5-8137-9DF3F51BA10A}">
-      <p15:sldGuideLst xmlns="" xmlns:mc="http://schemas.openxmlformats.org/markup-compatibility/2006" xmlns:mv="urn:schemas-microsoft-com:mac:vml" xmlns:c="http://schemas.openxmlformats.org/drawingml/2006/chart" xmlns:dgm="http://schemas.openxmlformats.org/drawingml/2006/diagram" xmlns:o="urn:schemas-microsoft-com:office:office" xmlns:v="urn:schemas-microsoft-com:vml" xmlns:pvml="urn:schemas-microsoft-com:office:powerpoint" xmlns:com="http://schemas.openxmlformats.org/drawingml/2006/compatibility" xmlns:p14="http://schemas.microsoft.com/office/powerpoint/2010/main" xmlns:p15="http://schemas.microsoft.com/office/powerpoint/2012/main" xmlns:ahyp="http://schemas.microsoft.com/office/drawing/2018/hyperlinkcolor">
+      <p15:sldGuideLst xmlns:ahyp="http://schemas.microsoft.com/office/drawing/2018/hyperlinkcolor" xmlns:p15="http://schemas.microsoft.com/office/powerpoint/2012/main" xmlns:p14="http://schemas.microsoft.com/office/powerpoint/2010/main" xmlns:com="http://schemas.openxmlformats.org/drawingml/2006/compatibility" xmlns:pvml="urn:schemas-microsoft-com:office:powerpoint" xmlns:v="urn:schemas-microsoft-com:vml" xmlns:o="urn:schemas-microsoft-com:office:office" xmlns:dgm="http://schemas.openxmlformats.org/drawingml/2006/diagram" xmlns:c="http://schemas.openxmlformats.org/drawingml/2006/chart" xmlns:mv="urn:schemas-microsoft-com:mac:vml" xmlns:mc="http://schemas.openxmlformats.org/markup-compatibility/2006" xmlns="">
         <p15:guide id="1" orient="horz" pos="2160">
           <p15:clr>
             <a:srgbClr val="000000"/>
@@ -275,7 +274,7 @@
       </p15:sldGuideLst>
     </p:ext>
     <p:ext uri="{2D200454-40CA-4A62-9FC3-DE9A4176ACB9}">
-      <p15:notesGuideLst xmlns="" xmlns:mc="http://schemas.openxmlformats.org/markup-compatibility/2006" xmlns:mv="urn:schemas-microsoft-com:mac:vml" xmlns:c="http://schemas.openxmlformats.org/drawingml/2006/chart" xmlns:dgm="http://schemas.openxmlformats.org/drawingml/2006/diagram" xmlns:o="urn:schemas-microsoft-com:office:office" xmlns:v="urn:schemas-microsoft-com:vml" xmlns:pvml="urn:schemas-microsoft-com:office:powerpoint" xmlns:com="http://schemas.openxmlformats.org/drawingml/2006/compatibility" xmlns:p14="http://schemas.microsoft.com/office/powerpoint/2010/main" xmlns:p15="http://schemas.microsoft.com/office/powerpoint/2012/main" xmlns:ahyp="http://schemas.microsoft.com/office/drawing/2018/hyperlinkcolor">
+      <p15:notesGuideLst xmlns:ahyp="http://schemas.microsoft.com/office/drawing/2018/hyperlinkcolor" xmlns:p15="http://schemas.microsoft.com/office/powerpoint/2012/main" xmlns:p14="http://schemas.microsoft.com/office/powerpoint/2010/main" xmlns:com="http://schemas.openxmlformats.org/drawingml/2006/compatibility" xmlns:pvml="urn:schemas-microsoft-com:office:powerpoint" xmlns:v="urn:schemas-microsoft-com:vml" xmlns:o="urn:schemas-microsoft-com:office:office" xmlns:dgm="http://schemas.openxmlformats.org/drawingml/2006/diagram" xmlns:c="http://schemas.openxmlformats.org/drawingml/2006/chart" xmlns:mv="urn:schemas-microsoft-com:mac:vml" xmlns:mc="http://schemas.openxmlformats.org/markup-compatibility/2006" xmlns="">
         <p15:guide id="1" orient="horz" pos="2928">
           <p15:clr>
             <a:srgbClr val="000000"/>
@@ -1253,7 +1252,7 @@
     </p:spTree>
     <p:extLst>
       <p:ext uri="{BB962C8B-B14F-4D97-AF65-F5344CB8AC3E}">
-        <p14:creationId xmlns:p14="http://schemas.microsoft.com/office/powerpoint/2010/main" val="3163106947"/>
+        <p14:creationId xmlns:p14="http://schemas.microsoft.com/office/powerpoint/2010/main" val="795828772"/>
       </p:ext>
     </p:extLst>
   </p:cSld>
@@ -1870,7 +1869,7 @@
         <p:spPr>
           <a:xfrm>
             <a:off x="1181100" y="696913"/>
-            <a:ext cx="4648200" cy="3486300"/>
+            <a:ext cx="4648200" cy="3486150"/>
           </a:xfrm>
           <a:custGeom>
             <a:avLst/>
@@ -2390,7 +2389,7 @@
         <p:spPr>
           <a:xfrm>
             <a:off x="1181100" y="696913"/>
-            <a:ext cx="4648200" cy="3486150"/>
+            <a:ext cx="4648200" cy="3486300"/>
           </a:xfrm>
           <a:custGeom>
             <a:avLst/>
@@ -2427,110 +2426,6 @@
 </file>
 
 <file path=ppt/notesSlides/notesSlide18.xml><?xml version="1.0" encoding="utf-8"?>
-<p:notes xmlns:a="http://schemas.openxmlformats.org/drawingml/2006/main" xmlns:r="http://schemas.openxmlformats.org/officeDocument/2006/relationships" xmlns:p="http://schemas.openxmlformats.org/presentationml/2006/main" showMasterSp="0" showMasterPhAnim="0">
-  <p:cSld>
-    <p:spTree>
-      <p:nvGrpSpPr>
-        <p:cNvPr id="1" name="Shape 211"/>
-        <p:cNvGrpSpPr/>
-        <p:nvPr/>
-      </p:nvGrpSpPr>
-      <p:grpSpPr>
-        <a:xfrm>
-          <a:off x="0" y="0"/>
-          <a:ext cx="0" cy="0"/>
-          <a:chOff x="0" y="0"/>
-          <a:chExt cx="0" cy="0"/>
-        </a:xfrm>
-      </p:grpSpPr>
-      <p:sp>
-        <p:nvSpPr>
-          <p:cNvPr id="212" name="Google Shape;212;g263b7b40870_0_88:notes"/>
-          <p:cNvSpPr txBox="1">
-            <a:spLocks noGrp="1"/>
-          </p:cNvSpPr>
-          <p:nvPr>
-            <p:ph type="body" idx="1"/>
-          </p:nvPr>
-        </p:nvSpPr>
-        <p:spPr>
-          <a:xfrm>
-            <a:off x="701040" y="4415790"/>
-            <a:ext cx="5608200" cy="4183500"/>
-          </a:xfrm>
-          <a:prstGeom prst="rect">
-            <a:avLst/>
-          </a:prstGeom>
-        </p:spPr>
-        <p:txBody>
-          <a:bodyPr spcFirstLastPara="1" wrap="square" lIns="93175" tIns="46575" rIns="93175" bIns="46575" anchor="t" anchorCtr="0">
-            <a:noAutofit/>
-          </a:bodyPr>
-          <a:lstStyle/>
-          <a:p>
-            <a:pPr marL="0" lvl="0" indent="0" algn="l" rtl="0">
-              <a:spcBef>
-                <a:spcPts val="0"/>
-              </a:spcBef>
-              <a:spcAft>
-                <a:spcPts val="0"/>
-              </a:spcAft>
-              <a:buNone/>
-            </a:pPr>
-            <a:endParaRPr/>
-          </a:p>
-        </p:txBody>
-      </p:sp>
-      <p:sp>
-        <p:nvSpPr>
-          <p:cNvPr id="213" name="Google Shape;213;g263b7b40870_0_88:notes"/>
-          <p:cNvSpPr>
-            <a:spLocks noGrp="1" noRot="1" noChangeAspect="1"/>
-          </p:cNvSpPr>
-          <p:nvPr>
-            <p:ph type="sldImg" idx="2"/>
-          </p:nvPr>
-        </p:nvSpPr>
-        <p:spPr>
-          <a:xfrm>
-            <a:off x="1181100" y="696913"/>
-            <a:ext cx="4648200" cy="3486300"/>
-          </a:xfrm>
-          <a:custGeom>
-            <a:avLst/>
-            <a:gdLst/>
-            <a:ahLst/>
-            <a:cxnLst/>
-            <a:rect l="l" t="t" r="r" b="b"/>
-            <a:pathLst>
-              <a:path w="120000" h="120000" extrusionOk="0">
-                <a:moveTo>
-                  <a:pt x="0" y="0"/>
-                </a:moveTo>
-                <a:lnTo>
-                  <a:pt x="120000" y="0"/>
-                </a:lnTo>
-                <a:lnTo>
-                  <a:pt x="120000" y="120000"/>
-                </a:lnTo>
-                <a:lnTo>
-                  <a:pt x="0" y="120000"/>
-                </a:lnTo>
-                <a:close/>
-              </a:path>
-            </a:pathLst>
-          </a:custGeom>
-        </p:spPr>
-      </p:sp>
-    </p:spTree>
-  </p:cSld>
-  <p:clrMapOvr>
-    <a:masterClrMapping/>
-  </p:clrMapOvr>
-</p:notes>
-</file>
-
-<file path=ppt/notesSlides/notesSlide19.xml><?xml version="1.0" encoding="utf-8"?>
 <p:notes xmlns:a="http://schemas.openxmlformats.org/drawingml/2006/main" xmlns:r="http://schemas.openxmlformats.org/officeDocument/2006/relationships" xmlns:p="http://schemas.openxmlformats.org/presentationml/2006/main" showMasterSp="0" showMasterPhAnim="0">
   <p:cSld>
     <p:spTree>
@@ -3222,7 +3117,7 @@
         <p:spPr>
           <a:xfrm>
             <a:off x="1181100" y="696913"/>
-            <a:ext cx="4648200" cy="3486150"/>
+            <a:ext cx="4648200" cy="3486300"/>
           </a:xfrm>
           <a:custGeom>
             <a:avLst/>
@@ -14699,7 +14594,7 @@
                 <a:hlinkClick r:id="rId4">
                   <a:extLst>
                     <a:ext uri="{A12FA001-AC4F-418D-AE19-62706E023703}">
-                      <ahyp:hlinkClr xmlns="" xmlns:mc="http://schemas.openxmlformats.org/markup-compatibility/2006" xmlns:mv="urn:schemas-microsoft-com:mac:vml" xmlns:c="http://schemas.openxmlformats.org/drawingml/2006/chart" xmlns:dgm="http://schemas.openxmlformats.org/drawingml/2006/diagram" xmlns:o="urn:schemas-microsoft-com:office:office" xmlns:v="urn:schemas-microsoft-com:vml" xmlns:pvml="urn:schemas-microsoft-com:office:powerpoint" xmlns:com="http://schemas.openxmlformats.org/drawingml/2006/compatibility" xmlns:p14="http://schemas.microsoft.com/office/powerpoint/2010/main" xmlns:p15="http://schemas.microsoft.com/office/powerpoint/2012/main" xmlns:ahyp="http://schemas.microsoft.com/office/drawing/2018/hyperlinkcolor" val="tx"/>
+                      <ahyp:hlinkClr xmlns:ahyp="http://schemas.microsoft.com/office/drawing/2018/hyperlinkcolor" xmlns:p15="http://schemas.microsoft.com/office/powerpoint/2012/main" xmlns:p14="http://schemas.microsoft.com/office/powerpoint/2010/main" xmlns:com="http://schemas.openxmlformats.org/drawingml/2006/compatibility" xmlns:pvml="urn:schemas-microsoft-com:office:powerpoint" xmlns:v="urn:schemas-microsoft-com:vml" xmlns:o="urn:schemas-microsoft-com:office:office" xmlns:dgm="http://schemas.openxmlformats.org/drawingml/2006/diagram" xmlns:c="http://schemas.openxmlformats.org/drawingml/2006/chart" xmlns:mv="urn:schemas-microsoft-com:mac:vml" xmlns:mc="http://schemas.openxmlformats.org/markup-compatibility/2006" xmlns="" val="tx"/>
                     </a:ext>
                   </a:extLst>
                 </a:hlinkClick>
@@ -15547,45 +15442,17 @@
           </a:p>
         </p:txBody>
       </p:sp>
-      <p:pic>
-        <p:nvPicPr>
-          <p:cNvPr id="176" name="Google Shape;176;p24"/>
-          <p:cNvPicPr preferRelativeResize="0"/>
-          <p:nvPr/>
-        </p:nvPicPr>
-        <p:blipFill>
-          <a:blip r:embed="rId4">
-            <a:alphaModFix/>
-          </a:blip>
-          <a:stretch>
-            <a:fillRect/>
-          </a:stretch>
-        </p:blipFill>
-        <p:spPr>
-          <a:xfrm>
-            <a:off x="914400" y="2226263"/>
-            <a:ext cx="7315200" cy="2733675"/>
-          </a:xfrm>
-          <a:prstGeom prst="rect">
-            <a:avLst/>
-          </a:prstGeom>
-          <a:noFill/>
-          <a:ln>
-            <a:noFill/>
-          </a:ln>
-        </p:spPr>
-      </p:pic>
       <p:sp>
         <p:nvSpPr>
           <p:cNvPr id="177" name="Google Shape;177;p24">
-            <a:hlinkClick r:id="rId5"/>
+            <a:hlinkClick r:id="rId4"/>
           </p:cNvPr>
           <p:cNvSpPr txBox="1"/>
           <p:nvPr/>
         </p:nvSpPr>
         <p:spPr>
           <a:xfrm>
-            <a:off x="4209825" y="5078250"/>
+            <a:off x="7030099" y="4281416"/>
             <a:ext cx="2114700" cy="584100"/>
           </a:xfrm>
           <a:prstGeom prst="rect">
@@ -15612,14 +15479,14 @@
               <a:buNone/>
             </a:pPr>
             <a:r>
-              <a:rPr lang="en-US" sz="3200">
+              <a:rPr lang="en-US" sz="3200" dirty="0">
                 <a:solidFill>
                   <a:schemeClr val="dk1"/>
                 </a:solidFill>
               </a:rPr>
               <a:t>Demo</a:t>
             </a:r>
-            <a:endParaRPr sz="3200">
+            <a:endParaRPr sz="3200" dirty="0">
               <a:solidFill>
                 <a:schemeClr val="dk1"/>
               </a:solidFill>
@@ -15627,6 +15494,47 @@
           </a:p>
         </p:txBody>
       </p:sp>
+      <p:pic>
+        <p:nvPicPr>
+          <p:cNvPr id="1028" name="Picture 4" descr="https://lh7-us.googleusercontent.com/JaJbbvTtSGu2n7btkEub1VjYXByTWIG9FabF8RRTo9DeUaZNtG1HHaKmXjHTLswuXLR3qY5KXj0RT0KVGg-y7k0fl8DHMZ7RRfOTnNW4ZeJE-knSzfm3WdcRHy9pp-QFN4SmbpXNSrlNsz8epfr7U58"/>
+          <p:cNvPicPr>
+            <a:picLocks noChangeAspect="1" noChangeArrowheads="1"/>
+          </p:cNvPicPr>
+          <p:nvPr/>
+        </p:nvPicPr>
+        <p:blipFill>
+          <a:blip r:embed="rId5">
+            <a:extLst>
+              <a:ext uri="{28A0092B-C50C-407E-A947-70E740481C1C}">
+                <a14:useLocalDpi xmlns:a14="http://schemas.microsoft.com/office/drawing/2010/main" val="0"/>
+              </a:ext>
+            </a:extLst>
+          </a:blip>
+          <a:srcRect/>
+          <a:stretch>
+            <a:fillRect/>
+          </a:stretch>
+        </p:blipFill>
+        <p:spPr bwMode="auto">
+          <a:xfrm>
+            <a:off x="807675" y="2381023"/>
+            <a:ext cx="6017668" cy="4411663"/>
+          </a:xfrm>
+          <a:prstGeom prst="rect">
+            <a:avLst/>
+          </a:prstGeom>
+          <a:noFill/>
+          <a:extLst>
+            <a:ext uri="{909E8E84-426E-40DD-AFC4-6F175D3DCCD1}">
+              <a14:hiddenFill xmlns:a14="http://schemas.microsoft.com/office/drawing/2010/main">
+                <a:solidFill>
+                  <a:srgbClr val="FFFFFF"/>
+                </a:solidFill>
+              </a14:hiddenFill>
+            </a:ext>
+          </a:extLst>
+        </p:spPr>
+      </p:pic>
     </p:spTree>
   </p:cSld>
   <p:clrMapOvr>
@@ -15698,7 +15606,7 @@
         </p:nvSpPr>
         <p:spPr>
           <a:xfrm>
-            <a:off x="323528" y="1412776"/>
+            <a:off x="323528" y="1488976"/>
             <a:ext cx="8640900" cy="648000"/>
           </a:xfrm>
           <a:prstGeom prst="rect">
@@ -15770,7 +15678,7 @@
         </p:nvSpPr>
         <p:spPr>
           <a:xfrm>
-            <a:off x="6755000" y="2844625"/>
+            <a:off x="6631700" y="2392675"/>
             <a:ext cx="1557000" cy="648000"/>
           </a:xfrm>
           <a:prstGeom prst="rect">
@@ -16689,13 +16597,6 @@
   <p:clrMapOvr>
     <a:masterClrMapping/>
   </p:clrMapOvr>
-  <p:timing>
-    <p:tnLst>
-      <p:par>
-        <p:cTn id="1" dur="indefinite" restart="never" nodeType="tmRoot"/>
-      </p:par>
-    </p:tnLst>
-  </p:timing>
 </p:sld>
 </file>
 
@@ -16863,7 +16764,7 @@
                 <a:hlinkClick r:id="rId4">
                   <a:extLst>
                     <a:ext uri="{A12FA001-AC4F-418D-AE19-62706E023703}">
-                      <ahyp:hlinkClr xmlns="" xmlns:mc="http://schemas.openxmlformats.org/markup-compatibility/2006" xmlns:mv="urn:schemas-microsoft-com:mac:vml" xmlns:c="http://schemas.openxmlformats.org/drawingml/2006/chart" xmlns:dgm="http://schemas.openxmlformats.org/drawingml/2006/diagram" xmlns:o="urn:schemas-microsoft-com:office:office" xmlns:v="urn:schemas-microsoft-com:vml" xmlns:pvml="urn:schemas-microsoft-com:office:powerpoint" xmlns:com="http://schemas.openxmlformats.org/drawingml/2006/compatibility" xmlns:p14="http://schemas.microsoft.com/office/powerpoint/2010/main" xmlns:p15="http://schemas.microsoft.com/office/powerpoint/2012/main" xmlns:ahyp="http://schemas.microsoft.com/office/drawing/2018/hyperlinkcolor" val="tx"/>
+                      <ahyp:hlinkClr xmlns:ahyp="http://schemas.microsoft.com/office/drawing/2018/hyperlinkcolor" xmlns:p15="http://schemas.microsoft.com/office/powerpoint/2012/main" xmlns:p14="http://schemas.microsoft.com/office/powerpoint/2010/main" xmlns:com="http://schemas.openxmlformats.org/drawingml/2006/compatibility" xmlns:pvml="urn:schemas-microsoft-com:office:powerpoint" xmlns:v="urn:schemas-microsoft-com:vml" xmlns:o="urn:schemas-microsoft-com:office:office" xmlns:dgm="http://schemas.openxmlformats.org/drawingml/2006/diagram" xmlns:c="http://schemas.openxmlformats.org/drawingml/2006/chart" xmlns:mv="urn:schemas-microsoft-com:mac:vml" xmlns:mc="http://schemas.openxmlformats.org/markup-compatibility/2006" xmlns="" val="tx"/>
                     </a:ext>
                   </a:extLst>
                 </a:hlinkClick>
@@ -16926,7 +16827,7 @@
                 <a:hlinkClick r:id="rId5">
                   <a:extLst>
                     <a:ext uri="{A12FA001-AC4F-418D-AE19-62706E023703}">
-                      <ahyp:hlinkClr xmlns="" xmlns:mc="http://schemas.openxmlformats.org/markup-compatibility/2006" xmlns:mv="urn:schemas-microsoft-com:mac:vml" xmlns:c="http://schemas.openxmlformats.org/drawingml/2006/chart" xmlns:dgm="http://schemas.openxmlformats.org/drawingml/2006/diagram" xmlns:o="urn:schemas-microsoft-com:office:office" xmlns:v="urn:schemas-microsoft-com:vml" xmlns:pvml="urn:schemas-microsoft-com:office:powerpoint" xmlns:com="http://schemas.openxmlformats.org/drawingml/2006/compatibility" xmlns:p14="http://schemas.microsoft.com/office/powerpoint/2010/main" xmlns:p15="http://schemas.microsoft.com/office/powerpoint/2012/main" xmlns:ahyp="http://schemas.microsoft.com/office/drawing/2018/hyperlinkcolor" val="tx"/>
+                      <ahyp:hlinkClr xmlns:ahyp="http://schemas.microsoft.com/office/drawing/2018/hyperlinkcolor" xmlns:p15="http://schemas.microsoft.com/office/powerpoint/2012/main" xmlns:p14="http://schemas.microsoft.com/office/powerpoint/2010/main" xmlns:com="http://schemas.openxmlformats.org/drawingml/2006/compatibility" xmlns:pvml="urn:schemas-microsoft-com:office:powerpoint" xmlns:v="urn:schemas-microsoft-com:vml" xmlns:o="urn:schemas-microsoft-com:office:office" xmlns:dgm="http://schemas.openxmlformats.org/drawingml/2006/diagram" xmlns:c="http://schemas.openxmlformats.org/drawingml/2006/chart" xmlns:mv="urn:schemas-microsoft-com:mac:vml" xmlns:mc="http://schemas.openxmlformats.org/markup-compatibility/2006" xmlns="" val="tx"/>
                     </a:ext>
                   </a:extLst>
                 </a:hlinkClick>
@@ -16989,7 +16890,7 @@
                 <a:hlinkClick r:id="rId6">
                   <a:extLst>
                     <a:ext uri="{A12FA001-AC4F-418D-AE19-62706E023703}">
-                      <ahyp:hlinkClr xmlns="" xmlns:mc="http://schemas.openxmlformats.org/markup-compatibility/2006" xmlns:mv="urn:schemas-microsoft-com:mac:vml" xmlns:c="http://schemas.openxmlformats.org/drawingml/2006/chart" xmlns:dgm="http://schemas.openxmlformats.org/drawingml/2006/diagram" xmlns:o="urn:schemas-microsoft-com:office:office" xmlns:v="urn:schemas-microsoft-com:vml" xmlns:pvml="urn:schemas-microsoft-com:office:powerpoint" xmlns:com="http://schemas.openxmlformats.org/drawingml/2006/compatibility" xmlns:p14="http://schemas.microsoft.com/office/powerpoint/2010/main" xmlns:p15="http://schemas.microsoft.com/office/powerpoint/2012/main" xmlns:ahyp="http://schemas.microsoft.com/office/drawing/2018/hyperlinkcolor" val="tx"/>
+                      <ahyp:hlinkClr xmlns:ahyp="http://schemas.microsoft.com/office/drawing/2018/hyperlinkcolor" xmlns:p15="http://schemas.microsoft.com/office/powerpoint/2012/main" xmlns:p14="http://schemas.microsoft.com/office/powerpoint/2010/main" xmlns:com="http://schemas.openxmlformats.org/drawingml/2006/compatibility" xmlns:pvml="urn:schemas-microsoft-com:office:powerpoint" xmlns:v="urn:schemas-microsoft-com:vml" xmlns:o="urn:schemas-microsoft-com:office:office" xmlns:dgm="http://schemas.openxmlformats.org/drawingml/2006/diagram" xmlns:c="http://schemas.openxmlformats.org/drawingml/2006/chart" xmlns:mv="urn:schemas-microsoft-com:mac:vml" xmlns:mc="http://schemas.openxmlformats.org/markup-compatibility/2006" xmlns="" val="tx"/>
                     </a:ext>
                   </a:extLst>
                 </a:hlinkClick>
@@ -17052,7 +16953,7 @@
                 <a:hlinkClick r:id="rId7">
                   <a:extLst>
                     <a:ext uri="{A12FA001-AC4F-418D-AE19-62706E023703}">
-                      <ahyp:hlinkClr xmlns="" xmlns:mc="http://schemas.openxmlformats.org/markup-compatibility/2006" xmlns:mv="urn:schemas-microsoft-com:mac:vml" xmlns:c="http://schemas.openxmlformats.org/drawingml/2006/chart" xmlns:dgm="http://schemas.openxmlformats.org/drawingml/2006/diagram" xmlns:o="urn:schemas-microsoft-com:office:office" xmlns:v="urn:schemas-microsoft-com:vml" xmlns:pvml="urn:schemas-microsoft-com:office:powerpoint" xmlns:com="http://schemas.openxmlformats.org/drawingml/2006/compatibility" xmlns:p14="http://schemas.microsoft.com/office/powerpoint/2010/main" xmlns:p15="http://schemas.microsoft.com/office/powerpoint/2012/main" xmlns:ahyp="http://schemas.microsoft.com/office/drawing/2018/hyperlinkcolor" val="tx"/>
+                      <ahyp:hlinkClr xmlns:ahyp="http://schemas.microsoft.com/office/drawing/2018/hyperlinkcolor" xmlns:p15="http://schemas.microsoft.com/office/powerpoint/2012/main" xmlns:p14="http://schemas.microsoft.com/office/powerpoint/2010/main" xmlns:com="http://schemas.openxmlformats.org/drawingml/2006/compatibility" xmlns:pvml="urn:schemas-microsoft-com:office:powerpoint" xmlns:v="urn:schemas-microsoft-com:vml" xmlns:o="urn:schemas-microsoft-com:office:office" xmlns:dgm="http://schemas.openxmlformats.org/drawingml/2006/diagram" xmlns:c="http://schemas.openxmlformats.org/drawingml/2006/chart" xmlns:mv="urn:schemas-microsoft-com:mac:vml" xmlns:mc="http://schemas.openxmlformats.org/markup-compatibility/2006" xmlns="" val="tx"/>
                     </a:ext>
                   </a:extLst>
                 </a:hlinkClick>
@@ -17115,7 +17016,7 @@
                 <a:hlinkClick r:id="rId8">
                   <a:extLst>
                     <a:ext uri="{A12FA001-AC4F-418D-AE19-62706E023703}">
-                      <ahyp:hlinkClr xmlns="" xmlns:mc="http://schemas.openxmlformats.org/markup-compatibility/2006" xmlns:mv="urn:schemas-microsoft-com:mac:vml" xmlns:c="http://schemas.openxmlformats.org/drawingml/2006/chart" xmlns:dgm="http://schemas.openxmlformats.org/drawingml/2006/diagram" xmlns:o="urn:schemas-microsoft-com:office:office" xmlns:v="urn:schemas-microsoft-com:vml" xmlns:pvml="urn:schemas-microsoft-com:office:powerpoint" xmlns:com="http://schemas.openxmlformats.org/drawingml/2006/compatibility" xmlns:p14="http://schemas.microsoft.com/office/powerpoint/2010/main" xmlns:p15="http://schemas.microsoft.com/office/powerpoint/2012/main" xmlns:ahyp="http://schemas.microsoft.com/office/drawing/2018/hyperlinkcolor" val="tx"/>
+                      <ahyp:hlinkClr xmlns:ahyp="http://schemas.microsoft.com/office/drawing/2018/hyperlinkcolor" xmlns:p15="http://schemas.microsoft.com/office/powerpoint/2012/main" xmlns:p14="http://schemas.microsoft.com/office/powerpoint/2010/main" xmlns:com="http://schemas.openxmlformats.org/drawingml/2006/compatibility" xmlns:pvml="urn:schemas-microsoft-com:office:powerpoint" xmlns:v="urn:schemas-microsoft-com:vml" xmlns:o="urn:schemas-microsoft-com:office:office" xmlns:dgm="http://schemas.openxmlformats.org/drawingml/2006/diagram" xmlns:c="http://schemas.openxmlformats.org/drawingml/2006/chart" xmlns:mv="urn:schemas-microsoft-com:mac:vml" xmlns:mc="http://schemas.openxmlformats.org/markup-compatibility/2006" xmlns="" val="tx"/>
                     </a:ext>
                   </a:extLst>
                 </a:hlinkClick>
@@ -17247,174 +17148,10 @@
   <p:clrMapOvr>
     <a:masterClrMapping/>
   </p:clrMapOvr>
-  <p:timing>
-    <p:tnLst>
-      <p:par>
-        <p:cTn id="1" dur="indefinite" restart="never" nodeType="tmRoot"/>
-      </p:par>
-    </p:tnLst>
-  </p:timing>
 </p:sld>
 </file>
 
 <file path=ppt/slides/slide17.xml><?xml version="1.0" encoding="utf-8"?>
-<p:sld xmlns:a="http://schemas.openxmlformats.org/drawingml/2006/main" xmlns:r="http://schemas.openxmlformats.org/officeDocument/2006/relationships" xmlns:p="http://schemas.openxmlformats.org/presentationml/2006/main">
-  <p:cSld>
-    <p:spTree>
-      <p:nvGrpSpPr>
-        <p:cNvPr id="1" name="Shape 214"/>
-        <p:cNvGrpSpPr/>
-        <p:nvPr/>
-      </p:nvGrpSpPr>
-      <p:grpSpPr>
-        <a:xfrm>
-          <a:off x="0" y="0"/>
-          <a:ext cx="0" cy="0"/>
-          <a:chOff x="0" y="0"/>
-          <a:chExt cx="0" cy="0"/>
-        </a:xfrm>
-      </p:grpSpPr>
-      <p:pic>
-        <p:nvPicPr>
-          <p:cNvPr id="215" name="Google Shape;215;p29" descr="PowerPoint_2012_ENG11"/>
-          <p:cNvPicPr preferRelativeResize="0"/>
-          <p:nvPr/>
-        </p:nvPicPr>
-        <p:blipFill rotWithShape="1">
-          <a:blip r:embed="rId3">
-            <a:alphaModFix/>
-          </a:blip>
-          <a:srcRect/>
-          <a:stretch/>
-        </p:blipFill>
-        <p:spPr>
-          <a:xfrm>
-            <a:off x="-1588" y="-1586"/>
-            <a:ext cx="9145587" cy="6859586"/>
-          </a:xfrm>
-          <a:prstGeom prst="rect">
-            <a:avLst/>
-          </a:prstGeom>
-          <a:noFill/>
-          <a:ln>
-            <a:noFill/>
-          </a:ln>
-        </p:spPr>
-      </p:pic>
-      <p:sp>
-        <p:nvSpPr>
-          <p:cNvPr id="216" name="Google Shape;216;p29"/>
-          <p:cNvSpPr txBox="1">
-            <a:spLocks noGrp="1"/>
-          </p:cNvSpPr>
-          <p:nvPr>
-            <p:ph type="title"/>
-          </p:nvPr>
-        </p:nvSpPr>
-        <p:spPr>
-          <a:xfrm>
-            <a:off x="223244" y="1577273"/>
-            <a:ext cx="4608600" cy="648000"/>
-          </a:xfrm>
-          <a:prstGeom prst="rect">
-            <a:avLst/>
-          </a:prstGeom>
-          <a:noFill/>
-          <a:ln>
-            <a:noFill/>
-          </a:ln>
-        </p:spPr>
-        <p:txBody>
-          <a:bodyPr spcFirstLastPara="1" wrap="square" lIns="91425" tIns="45700" rIns="91425" bIns="45700" anchor="ctr" anchorCtr="0">
-            <a:noAutofit/>
-          </a:bodyPr>
-          <a:lstStyle/>
-          <a:p>
-            <a:pPr marL="0" lvl="0" indent="0" algn="ctr" rtl="0">
-              <a:spcBef>
-                <a:spcPts val="0"/>
-              </a:spcBef>
-              <a:spcAft>
-                <a:spcPts val="0"/>
-              </a:spcAft>
-              <a:buNone/>
-            </a:pPr>
-            <a:r>
-              <a:rPr lang="en-US" sz="4800" b="1" dirty="0" err="1" smtClean="0"/>
-              <a:t>Github</a:t>
-            </a:r>
-            <a:r>
-              <a:rPr lang="en-US" sz="4800" b="1" dirty="0" smtClean="0"/>
-              <a:t> Link</a:t>
-            </a:r>
-            <a:endParaRPr sz="4800" b="1" dirty="0"/>
-          </a:p>
-        </p:txBody>
-      </p:sp>
-      <p:sp>
-        <p:nvSpPr>
-          <p:cNvPr id="2" name="TextBox 1">
-            <a:hlinkClick r:id="rId4"/>
-          </p:cNvPr>
-          <p:cNvSpPr txBox="1"/>
-          <p:nvPr/>
-        </p:nvSpPr>
-        <p:spPr>
-          <a:xfrm>
-            <a:off x="1887583" y="3474720"/>
-            <a:ext cx="5074920" cy="523220"/>
-          </a:xfrm>
-          <a:prstGeom prst="rect">
-            <a:avLst/>
-          </a:prstGeom>
-          <a:noFill/>
-        </p:spPr>
-        <p:txBody>
-          <a:bodyPr wrap="square" rtlCol="0">
-            <a:spAutoFit/>
-          </a:bodyPr>
-          <a:lstStyle/>
-          <a:p>
-            <a:r>
-              <a:rPr lang="en-US" dirty="0">
-                <a:hlinkClick r:id="rId4"/>
-              </a:rPr>
-              <a:t>https://</a:t>
-            </a:r>
-            <a:r>
-              <a:rPr lang="en-US" dirty="0" smtClean="0">
-                <a:hlinkClick r:id="rId4"/>
-              </a:rPr>
-              <a:t>github.com/ahsansajidkhan/group15project</a:t>
-            </a:r>
-            <a:endParaRPr lang="en-US" dirty="0" smtClean="0"/>
-          </a:p>
-          <a:p>
-            <a:endParaRPr lang="en-US" dirty="0"/>
-          </a:p>
-        </p:txBody>
-      </p:sp>
-    </p:spTree>
-    <p:extLst>
-      <p:ext uri="{BB962C8B-B14F-4D97-AF65-F5344CB8AC3E}">
-        <p14:creationId xmlns:p14="http://schemas.microsoft.com/office/powerpoint/2010/main" val="1877995835"/>
-      </p:ext>
-    </p:extLst>
-  </p:cSld>
-  <p:clrMapOvr>
-    <a:masterClrMapping/>
-  </p:clrMapOvr>
-  <p:timing>
-    <p:tnLst>
-      <p:par>
-        <p:cTn id="1" dur="indefinite" restart="never" nodeType="tmRoot"/>
-      </p:par>
-    </p:tnLst>
-  </p:timing>
-</p:sld>
-</file>
-
-<file path=ppt/slides/slide18.xml><?xml version="1.0" encoding="utf-8"?>
 <p:sld xmlns:a="http://schemas.openxmlformats.org/drawingml/2006/main" xmlns:r="http://schemas.openxmlformats.org/officeDocument/2006/relationships" xmlns:p="http://schemas.openxmlformats.org/presentationml/2006/main">
   <p:cSld>
     <p:spTree>
@@ -17509,17 +17246,10 @@
   <p:clrMapOvr>
     <a:masterClrMapping/>
   </p:clrMapOvr>
-  <p:timing>
-    <p:tnLst>
-      <p:par>
-        <p:cTn id="1" dur="indefinite" restart="never" nodeType="tmRoot"/>
-      </p:par>
-    </p:tnLst>
-  </p:timing>
 </p:sld>
 </file>
 
-<file path=ppt/slides/slide19.xml><?xml version="1.0" encoding="utf-8"?>
+<file path=ppt/slides/slide18.xml><?xml version="1.0" encoding="utf-8"?>
 <p:sld xmlns:a="http://schemas.openxmlformats.org/drawingml/2006/main" xmlns:r="http://schemas.openxmlformats.org/officeDocument/2006/relationships" xmlns:p="http://schemas.openxmlformats.org/presentationml/2006/main">
   <p:cSld>
     <p:spTree>
@@ -17614,13 +17344,6 @@
   <p:clrMapOvr>
     <a:masterClrMapping/>
   </p:clrMapOvr>
-  <p:timing>
-    <p:tnLst>
-      <p:par>
-        <p:cTn id="1" dur="indefinite" restart="never" nodeType="tmRoot"/>
-      </p:par>
-    </p:tnLst>
-  </p:timing>
 </p:sld>
 </file>
 
@@ -17722,7 +17445,7 @@
         </p:nvSpPr>
         <p:spPr>
           <a:xfrm>
-            <a:off x="395523" y="2133034"/>
+            <a:off x="395523" y="2204875"/>
             <a:ext cx="6291000" cy="4576500"/>
           </a:xfrm>
           <a:prstGeom prst="rect">
@@ -17757,7 +17480,7 @@
               <a:buAutoNum type="arabicPeriod"/>
             </a:pPr>
             <a:r>
-              <a:rPr lang="en-US" sz="2300" b="0" i="0" u="none" strike="noStrike" cap="none" dirty="0">
+              <a:rPr lang="en-US" sz="2300" b="0" i="0" u="none" strike="noStrike" cap="none">
                 <a:solidFill>
                   <a:schemeClr val="dk1"/>
                 </a:solidFill>
@@ -17768,7 +17491,7 @@
               </a:rPr>
               <a:t>Introduction</a:t>
             </a:r>
-            <a:endParaRPr sz="1300" dirty="0"/>
+            <a:endParaRPr sz="1300"/>
           </a:p>
           <a:p>
             <a:pPr marL="457200" marR="0" lvl="0" indent="-450850" algn="l" rtl="0">
@@ -17789,7 +17512,7 @@
               <a:buAutoNum type="arabicPeriod"/>
             </a:pPr>
             <a:r>
-              <a:rPr lang="en-US" sz="2300" b="0" i="0" u="none" strike="noStrike" cap="none" dirty="0">
+              <a:rPr lang="en-US" sz="2300" b="0" i="0" u="none" strike="noStrike" cap="none">
                 <a:solidFill>
                   <a:schemeClr val="dk1"/>
                 </a:solidFill>
@@ -17800,7 +17523,7 @@
               </a:rPr>
               <a:t>Project objective</a:t>
             </a:r>
-            <a:endParaRPr sz="1300" dirty="0"/>
+            <a:endParaRPr sz="1300"/>
           </a:p>
           <a:p>
             <a:pPr marL="457200" marR="0" lvl="0" indent="-450850" algn="l" rtl="0">
@@ -17821,14 +17544,14 @@
               <a:buAutoNum type="arabicPeriod"/>
             </a:pPr>
             <a:r>
-              <a:rPr lang="en-US" sz="2300" dirty="0">
+              <a:rPr lang="en-US" sz="2300">
                 <a:solidFill>
                   <a:schemeClr val="dk1"/>
                 </a:solidFill>
               </a:rPr>
               <a:t>High Level Solution Architecture</a:t>
             </a:r>
-            <a:endParaRPr sz="2300" dirty="0">
+            <a:endParaRPr sz="2300">
               <a:solidFill>
                 <a:schemeClr val="dk1"/>
               </a:solidFill>
@@ -17852,14 +17575,14 @@
               <a:buAutoNum type="arabicPeriod"/>
             </a:pPr>
             <a:r>
-              <a:rPr lang="en-US" sz="2300" dirty="0">
+              <a:rPr lang="en-US" sz="2300">
                 <a:solidFill>
                   <a:schemeClr val="dk1"/>
                 </a:solidFill>
               </a:rPr>
               <a:t>Why GCP Platform</a:t>
             </a:r>
-            <a:endParaRPr sz="2300" dirty="0">
+            <a:endParaRPr sz="2300">
               <a:solidFill>
                 <a:schemeClr val="dk1"/>
               </a:solidFill>
@@ -17884,14 +17607,14 @@
               <a:buAutoNum type="arabicPeriod"/>
             </a:pPr>
             <a:r>
-              <a:rPr lang="en-US" sz="2300" dirty="0">
+              <a:rPr lang="en-US" sz="2300">
                 <a:solidFill>
                   <a:schemeClr val="dk1"/>
                 </a:solidFill>
               </a:rPr>
               <a:t>CAT Platform Process Flow in GCP</a:t>
             </a:r>
-            <a:endParaRPr sz="2300" dirty="0">
+            <a:endParaRPr sz="2300">
               <a:solidFill>
                 <a:schemeClr val="dk1"/>
               </a:solidFill>
@@ -17915,14 +17638,14 @@
               <a:buAutoNum type="arabicPeriod"/>
             </a:pPr>
             <a:r>
-              <a:rPr lang="en-US" sz="2300" dirty="0">
+              <a:rPr lang="en-US" sz="2300">
                 <a:solidFill>
                   <a:schemeClr val="dk1"/>
                 </a:solidFill>
               </a:rPr>
               <a:t>Functional Module</a:t>
             </a:r>
-            <a:endParaRPr sz="2300" dirty="0">
+            <a:endParaRPr sz="2300">
               <a:solidFill>
                 <a:schemeClr val="dk1"/>
               </a:solidFill>
@@ -17946,14 +17669,14 @@
               <a:buAutoNum type="arabicPeriod"/>
             </a:pPr>
             <a:r>
-              <a:rPr lang="en-US" sz="2300" dirty="0">
+              <a:rPr lang="en-US" sz="2300">
                 <a:solidFill>
                   <a:schemeClr val="dk1"/>
                 </a:solidFill>
               </a:rPr>
               <a:t>Future Work</a:t>
             </a:r>
-            <a:endParaRPr sz="2300" dirty="0">
+            <a:endParaRPr sz="2300">
               <a:solidFill>
                 <a:schemeClr val="dk1"/>
               </a:solidFill>
@@ -17978,7 +17701,7 @@
               <a:buAutoNum type="arabicPeriod"/>
             </a:pPr>
             <a:r>
-              <a:rPr lang="en-US" sz="2300" b="0" i="0" u="none" strike="noStrike" cap="none" dirty="0">
+              <a:rPr lang="en-US" sz="2300" b="0" i="0" u="none" strike="noStrike" cap="none">
                 <a:solidFill>
                   <a:schemeClr val="dk1"/>
                 </a:solidFill>
@@ -17989,7 +17712,7 @@
               </a:rPr>
               <a:t>References</a:t>
             </a:r>
-            <a:endParaRPr sz="1300" dirty="0"/>
+            <a:endParaRPr sz="1300"/>
           </a:p>
           <a:p>
             <a:pPr marL="457200" marR="0" lvl="0" indent="-450850" algn="l" rtl="0">
@@ -18010,7 +17733,7 @@
               <a:buAutoNum type="arabicPeriod"/>
             </a:pPr>
             <a:r>
-              <a:rPr lang="en-US" sz="2300" b="0" i="0" u="none" strike="noStrike" cap="none" dirty="0">
+              <a:rPr lang="en-US" sz="2300" b="0" i="0" u="none" strike="noStrike" cap="none">
                 <a:solidFill>
                   <a:schemeClr val="dk1"/>
                 </a:solidFill>
@@ -18021,7 +17744,7 @@
               </a:rPr>
               <a:t>Questions and Answer</a:t>
             </a:r>
-            <a:endParaRPr sz="1300" dirty="0"/>
+            <a:endParaRPr sz="1300"/>
           </a:p>
         </p:txBody>
       </p:sp>
@@ -18165,14 +17888,30 @@
               <a:buNone/>
             </a:pPr>
             <a:r>
-              <a:rPr lang="en-US" sz="2000">
+              <a:rPr lang="en-US" sz="2000" dirty="0">
                 <a:solidFill>
                   <a:schemeClr val="dk1"/>
                 </a:solidFill>
               </a:rPr>
-              <a:t>The Climate Action Tracker (CAT) report offers a comprehensive analysis of global efforts in tackling climate change. Through meticulous evaluation of national policies and emissions trajectories, it highlights the urgency of reducing greenhouse gas emissions to limit global temperature rise in accordance with the Paris Agreement. This report serves as a critical resource, emphasizing the need for immediate, ambitious actions from governments, industries, and individuals to mitigate climate change's impacts and build a sustainable future for all.</a:t>
+              <a:t>The Climate Action Tracker (CAT) report offers a comprehensive analysis of global efforts in tackling climate change. Through meticulous evaluation of national policies and emissions trajectories, it highlights the urgency of reducing greenhouse gas emissions to limit global temperature rise in accordance with the Paris Agreement. This </a:t>
             </a:r>
-            <a:endParaRPr sz="2000">
+            <a:r>
+              <a:rPr lang="en-US" sz="2000" dirty="0" smtClean="0">
+                <a:solidFill>
+                  <a:schemeClr val="dk1"/>
+                </a:solidFill>
+              </a:rPr>
+              <a:t>project serves </a:t>
+            </a:r>
+            <a:r>
+              <a:rPr lang="en-US" sz="2000" dirty="0">
+                <a:solidFill>
+                  <a:schemeClr val="dk1"/>
+                </a:solidFill>
+              </a:rPr>
+              <a:t>as a critical resource, emphasizing the need for immediate, ambitious actions from governments, industries, and individuals to mitigate climate change's impacts and build a sustainable future for all.</a:t>
+            </a:r>
+            <a:endParaRPr sz="2000" dirty="0">
               <a:solidFill>
                 <a:schemeClr val="dk1"/>
               </a:solidFill>
@@ -18552,8 +18291,8 @@
         </p:blipFill>
         <p:spPr>
           <a:xfrm>
-            <a:off x="1215051" y="2050868"/>
-            <a:ext cx="6622663" cy="4591441"/>
+            <a:off x="1215050" y="2024743"/>
+            <a:ext cx="6459379" cy="4408561"/>
           </a:xfrm>
           <a:prstGeom prst="rect">
             <a:avLst/>
@@ -19080,8 +18819,8 @@
         </p:blipFill>
         <p:spPr>
           <a:xfrm>
-            <a:off x="153832" y="2070463"/>
-            <a:ext cx="8722379" cy="4468004"/>
+            <a:off x="1190625" y="2060775"/>
+            <a:ext cx="6761151" cy="4863899"/>
           </a:xfrm>
           <a:prstGeom prst="rect">
             <a:avLst/>
